--- a/images/graphs/Présentation1.pptx
+++ b/images/graphs/Présentation1.pptx
@@ -6,6 +6,7 @@
   </p:sldMasterIdLst>
   <p:sldIdLst>
     <p:sldId id="256" r:id="rId2"/>
+    <p:sldId id="257" r:id="rId3"/>
   </p:sldIdLst>
   <p:sldSz cx="12192000" cy="18000663"/>
   <p:notesSz cx="6858000" cy="9144000"/>
@@ -104,6 +105,11 @@
       </a:defRPr>
     </a:lvl9pPr>
   </p:defaultTextStyle>
+  <p:extLst>
+    <p:ext uri="{EFAFB233-063F-42B5-8137-9DF3F51BA10A}">
+      <p15:sldGuideLst xmlns:p15="http://schemas.microsoft.com/office/powerpoint/2012/main"/>
+    </p:ext>
+  </p:extLst>
 </p:presentation>
 </file>
 
@@ -4951,6 +4957,278 @@
 </p:sld>
 </file>
 
+<file path=ppt/slides/slide2.xml><?xml version="1.0" encoding="utf-8"?>
+<p:sld xmlns:a="http://schemas.openxmlformats.org/drawingml/2006/main" xmlns:r="http://schemas.openxmlformats.org/officeDocument/2006/relationships" xmlns:p="http://schemas.openxmlformats.org/presentationml/2006/main">
+  <p:cSld>
+    <p:spTree>
+      <p:nvGrpSpPr>
+        <p:cNvPr id="1" name=""/>
+        <p:cNvGrpSpPr/>
+        <p:nvPr/>
+      </p:nvGrpSpPr>
+      <p:grpSpPr>
+        <a:xfrm>
+          <a:off x="0" y="0"/>
+          <a:ext cx="0" cy="0"/>
+          <a:chOff x="0" y="0"/>
+          <a:chExt cx="0" cy="0"/>
+        </a:xfrm>
+      </p:grpSpPr>
+      <p:pic>
+        <p:nvPicPr>
+          <p:cNvPr id="5" name="Image 4">
+            <a:extLst>
+              <a:ext uri="{FF2B5EF4-FFF2-40B4-BE49-F238E27FC236}">
+                <a16:creationId xmlns:a16="http://schemas.microsoft.com/office/drawing/2014/main" id="{39EE0F17-7081-45CB-9D49-81A557614C83}"/>
+              </a:ext>
+            </a:extLst>
+          </p:cNvPr>
+          <p:cNvPicPr>
+            <a:picLocks noChangeAspect="1"/>
+          </p:cNvPicPr>
+          <p:nvPr/>
+        </p:nvPicPr>
+        <p:blipFill>
+          <a:blip r:embed="rId2">
+            <a:extLst>
+              <a:ext uri="{28A0092B-C50C-407E-A947-70E740481C1C}">
+                <a14:useLocalDpi xmlns:a14="http://schemas.microsoft.com/office/drawing/2010/main" val="0"/>
+              </a:ext>
+            </a:extLst>
+          </a:blip>
+          <a:stretch>
+            <a:fillRect/>
+          </a:stretch>
+        </p:blipFill>
+        <p:spPr>
+          <a:xfrm>
+            <a:off x="8298215" y="932046"/>
+            <a:ext cx="3334293" cy="4975659"/>
+          </a:xfrm>
+          <a:prstGeom prst="rect">
+            <a:avLst/>
+          </a:prstGeom>
+        </p:spPr>
+      </p:pic>
+      <p:pic>
+        <p:nvPicPr>
+          <p:cNvPr id="7" name="Image 6">
+            <a:extLst>
+              <a:ext uri="{FF2B5EF4-FFF2-40B4-BE49-F238E27FC236}">
+                <a16:creationId xmlns:a16="http://schemas.microsoft.com/office/drawing/2014/main" id="{118C8533-122F-4697-9AE9-A5B6DB4A534A}"/>
+              </a:ext>
+            </a:extLst>
+          </p:cNvPr>
+          <p:cNvPicPr>
+            <a:picLocks noChangeAspect="1"/>
+          </p:cNvPicPr>
+          <p:nvPr/>
+        </p:nvPicPr>
+        <p:blipFill>
+          <a:blip r:embed="rId3">
+            <a:extLst>
+              <a:ext uri="{28A0092B-C50C-407E-A947-70E740481C1C}">
+                <a14:useLocalDpi xmlns:a14="http://schemas.microsoft.com/office/drawing/2010/main" val="0"/>
+              </a:ext>
+            </a:extLst>
+          </a:blip>
+          <a:stretch>
+            <a:fillRect/>
+          </a:stretch>
+        </p:blipFill>
+        <p:spPr>
+          <a:xfrm>
+            <a:off x="559492" y="6574774"/>
+            <a:ext cx="5809348" cy="4169426"/>
+          </a:xfrm>
+          <a:prstGeom prst="rect">
+            <a:avLst/>
+          </a:prstGeom>
+        </p:spPr>
+      </p:pic>
+      <p:pic>
+        <p:nvPicPr>
+          <p:cNvPr id="9" name="Image 8">
+            <a:extLst>
+              <a:ext uri="{FF2B5EF4-FFF2-40B4-BE49-F238E27FC236}">
+                <a16:creationId xmlns:a16="http://schemas.microsoft.com/office/drawing/2014/main" id="{2DC09A0C-B567-4A83-BF72-E4551786C3FC}"/>
+              </a:ext>
+            </a:extLst>
+          </p:cNvPr>
+          <p:cNvPicPr>
+            <a:picLocks noChangeAspect="1"/>
+          </p:cNvPicPr>
+          <p:nvPr/>
+        </p:nvPicPr>
+        <p:blipFill>
+          <a:blip r:embed="rId4">
+            <a:extLst>
+              <a:ext uri="{28A0092B-C50C-407E-A947-70E740481C1C}">
+                <a14:useLocalDpi xmlns:a14="http://schemas.microsoft.com/office/drawing/2010/main" val="0"/>
+              </a:ext>
+            </a:extLst>
+          </a:blip>
+          <a:stretch>
+            <a:fillRect/>
+          </a:stretch>
+        </p:blipFill>
+        <p:spPr>
+          <a:xfrm>
+            <a:off x="559492" y="932047"/>
+            <a:ext cx="7429408" cy="4975659"/>
+          </a:xfrm>
+          <a:prstGeom prst="rect">
+            <a:avLst/>
+          </a:prstGeom>
+        </p:spPr>
+      </p:pic>
+      <p:sp>
+        <p:nvSpPr>
+          <p:cNvPr id="10" name="ZoneTexte 9">
+            <a:extLst>
+              <a:ext uri="{FF2B5EF4-FFF2-40B4-BE49-F238E27FC236}">
+                <a16:creationId xmlns:a16="http://schemas.microsoft.com/office/drawing/2014/main" id="{979B33B2-33FB-4DBE-9F82-5328CC6C4F20}"/>
+              </a:ext>
+            </a:extLst>
+          </p:cNvPr>
+          <p:cNvSpPr txBox="1"/>
+          <p:nvPr/>
+        </p:nvSpPr>
+        <p:spPr>
+          <a:xfrm>
+            <a:off x="2689604" y="423279"/>
+            <a:ext cx="3635969" cy="369332"/>
+          </a:xfrm>
+          <a:prstGeom prst="rect">
+            <a:avLst/>
+          </a:prstGeom>
+          <a:noFill/>
+        </p:spPr>
+        <p:txBody>
+          <a:bodyPr wrap="square" rtlCol="0">
+            <a:spAutoFit/>
+          </a:bodyPr>
+          <a:lstStyle/>
+          <a:p>
+            <a:r>
+              <a:rPr lang="fr-FR" dirty="0"/>
+              <a:t>Distribution of label values [footfall]</a:t>
+            </a:r>
+          </a:p>
+        </p:txBody>
+      </p:sp>
+      <p:sp>
+        <p:nvSpPr>
+          <p:cNvPr id="11" name="ZoneTexte 10">
+            <a:extLst>
+              <a:ext uri="{FF2B5EF4-FFF2-40B4-BE49-F238E27FC236}">
+                <a16:creationId xmlns:a16="http://schemas.microsoft.com/office/drawing/2014/main" id="{87AC2218-4EBA-486E-9ACC-12DA95C5C46F}"/>
+              </a:ext>
+            </a:extLst>
+          </p:cNvPr>
+          <p:cNvSpPr txBox="1"/>
+          <p:nvPr/>
+        </p:nvSpPr>
+        <p:spPr>
+          <a:xfrm>
+            <a:off x="8298215" y="440237"/>
+            <a:ext cx="3334293" cy="369332"/>
+          </a:xfrm>
+          <a:prstGeom prst="rect">
+            <a:avLst/>
+          </a:prstGeom>
+          <a:noFill/>
+        </p:spPr>
+        <p:txBody>
+          <a:bodyPr wrap="square" rtlCol="0">
+            <a:spAutoFit/>
+          </a:bodyPr>
+          <a:lstStyle/>
+          <a:p>
+            <a:r>
+              <a:rPr lang="fr-FR" dirty="0" err="1"/>
+              <a:t>Correlation</a:t>
+            </a:r>
+            <a:r>
+              <a:rPr lang="fr-FR" dirty="0"/>
+              <a:t> matrix of the dataset</a:t>
+            </a:r>
+          </a:p>
+        </p:txBody>
+      </p:sp>
+      <p:sp>
+        <p:nvSpPr>
+          <p:cNvPr id="12" name="ZoneTexte 11">
+            <a:extLst>
+              <a:ext uri="{FF2B5EF4-FFF2-40B4-BE49-F238E27FC236}">
+                <a16:creationId xmlns:a16="http://schemas.microsoft.com/office/drawing/2014/main" id="{F670FECD-084C-4257-BB40-6642AC5CA060}"/>
+              </a:ext>
+            </a:extLst>
+          </p:cNvPr>
+          <p:cNvSpPr txBox="1"/>
+          <p:nvPr/>
+        </p:nvSpPr>
+        <p:spPr>
+          <a:xfrm>
+            <a:off x="1965995" y="6207848"/>
+            <a:ext cx="3334293" cy="646331"/>
+          </a:xfrm>
+          <a:prstGeom prst="rect">
+            <a:avLst/>
+          </a:prstGeom>
+          <a:noFill/>
+        </p:spPr>
+        <p:txBody>
+          <a:bodyPr wrap="square" rtlCol="0">
+            <a:spAutoFit/>
+          </a:bodyPr>
+          <a:lstStyle/>
+          <a:p>
+            <a:r>
+              <a:rPr lang="fr-FR" dirty="0" err="1"/>
+              <a:t>Resume</a:t>
+            </a:r>
+            <a:r>
+              <a:rPr lang="fr-FR" dirty="0"/>
+              <a:t> of </a:t>
+            </a:r>
+            <a:r>
+              <a:rPr lang="fr-FR" dirty="0" err="1"/>
+              <a:t>loss</a:t>
+            </a:r>
+            <a:r>
+              <a:rPr lang="fr-FR" dirty="0"/>
+              <a:t> </a:t>
+            </a:r>
+            <a:r>
+              <a:rPr lang="fr-FR" dirty="0" err="1"/>
+              <a:t>during</a:t>
+            </a:r>
+            <a:r>
+              <a:rPr lang="fr-FR" dirty="0"/>
+              <a:t> </a:t>
+            </a:r>
+            <a:r>
+              <a:rPr lang="fr-FR"/>
+              <a:t>DNN training</a:t>
+            </a:r>
+            <a:endParaRPr lang="fr-FR" dirty="0"/>
+          </a:p>
+        </p:txBody>
+      </p:sp>
+    </p:spTree>
+    <p:extLst>
+      <p:ext uri="{BB962C8B-B14F-4D97-AF65-F5344CB8AC3E}">
+        <p14:creationId xmlns:p14="http://schemas.microsoft.com/office/powerpoint/2010/main" val="920583873"/>
+      </p:ext>
+    </p:extLst>
+  </p:cSld>
+  <p:clrMapOvr>
+    <a:masterClrMapping/>
+  </p:clrMapOvr>
+</p:sld>
+</file>
+
 <file path=ppt/theme/theme1.xml><?xml version="1.0" encoding="utf-8"?>
 <a:theme xmlns:a="http://schemas.openxmlformats.org/drawingml/2006/main" name="Thème Office">
   <a:themeElements>

--- a/images/graphs/Présentation1.pptx
+++ b/images/graphs/Présentation1.pptx
@@ -5103,12 +5103,21 @@
             <a:avLst/>
           </a:prstGeom>
           <a:noFill/>
+          <a:ln>
+            <a:solidFill>
+              <a:schemeClr val="tx1"/>
+            </a:solidFill>
+          </a:ln>
         </p:spPr>
         <p:txBody>
           <a:bodyPr wrap="square" rtlCol="0">
             <a:spAutoFit/>
           </a:bodyPr>
-          <a:lstStyle/>
+          <a:lstStyle>
+            <a:defPPr>
+              <a:defRPr lang="en-US"/>
+            </a:defPPr>
+          </a:lstStyle>
           <a:p>
             <a:r>
               <a:rPr lang="fr-FR" dirty="0"/>
@@ -5138,12 +5147,21 @@
             <a:avLst/>
           </a:prstGeom>
           <a:noFill/>
+          <a:ln>
+            <a:solidFill>
+              <a:schemeClr val="tx1"/>
+            </a:solidFill>
+          </a:ln>
         </p:spPr>
         <p:txBody>
           <a:bodyPr wrap="square" rtlCol="0">
             <a:spAutoFit/>
           </a:bodyPr>
-          <a:lstStyle/>
+          <a:lstStyle>
+            <a:defPPr>
+              <a:defRPr lang="en-US"/>
+            </a:defPPr>
+          </a:lstStyle>
           <a:p>
             <a:r>
               <a:rPr lang="fr-FR" dirty="0" err="1"/>
@@ -5171,12 +5189,17 @@
         <p:spPr>
           <a:xfrm>
             <a:off x="1965995" y="6207848"/>
-            <a:ext cx="3334293" cy="646331"/>
+            <a:ext cx="3665185" cy="369332"/>
           </a:xfrm>
           <a:prstGeom prst="rect">
             <a:avLst/>
           </a:prstGeom>
           <a:noFill/>
+          <a:ln>
+            <a:solidFill>
+              <a:schemeClr val="tx1"/>
+            </a:solidFill>
+          </a:ln>
         </p:spPr>
         <p:txBody>
           <a:bodyPr wrap="square" rtlCol="0">
@@ -5206,13 +5229,8 @@
             </a:r>
             <a:r>
               <a:rPr lang="fr-FR" dirty="0"/>
-              <a:t> </a:t>
-            </a:r>
-            <a:r>
-              <a:rPr lang="fr-FR"/>
-              <a:t>DNN training</a:t>
-            </a:r>
-            <a:endParaRPr lang="fr-FR" dirty="0"/>
+              <a:t> DNN training</a:t>
+            </a:r>
           </a:p>
         </p:txBody>
       </p:sp>

--- a/images/graphs/Présentation1.pptx
+++ b/images/graphs/Présentation1.pptx
@@ -244,7 +244,7 @@
           <a:p>
             <a:fld id="{D1AFA411-4AEB-49D1-A254-4E91517BE837}" type="datetimeFigureOut">
               <a:rPr lang="fr-FR" smtClean="0"/>
-              <a:t>12/09/2022</a:t>
+              <a:t>15/09/2022</a:t>
             </a:fld>
             <a:endParaRPr lang="fr-FR"/>
           </a:p>
@@ -414,7 +414,7 @@
           <a:p>
             <a:fld id="{D1AFA411-4AEB-49D1-A254-4E91517BE837}" type="datetimeFigureOut">
               <a:rPr lang="fr-FR" smtClean="0"/>
-              <a:t>12/09/2022</a:t>
+              <a:t>15/09/2022</a:t>
             </a:fld>
             <a:endParaRPr lang="fr-FR"/>
           </a:p>
@@ -594,7 +594,7 @@
           <a:p>
             <a:fld id="{D1AFA411-4AEB-49D1-A254-4E91517BE837}" type="datetimeFigureOut">
               <a:rPr lang="fr-FR" smtClean="0"/>
-              <a:t>12/09/2022</a:t>
+              <a:t>15/09/2022</a:t>
             </a:fld>
             <a:endParaRPr lang="fr-FR"/>
           </a:p>
@@ -764,7 +764,7 @@
           <a:p>
             <a:fld id="{D1AFA411-4AEB-49D1-A254-4E91517BE837}" type="datetimeFigureOut">
               <a:rPr lang="fr-FR" smtClean="0"/>
-              <a:t>12/09/2022</a:t>
+              <a:t>15/09/2022</a:t>
             </a:fld>
             <a:endParaRPr lang="fr-FR"/>
           </a:p>
@@ -1008,7 +1008,7 @@
           <a:p>
             <a:fld id="{D1AFA411-4AEB-49D1-A254-4E91517BE837}" type="datetimeFigureOut">
               <a:rPr lang="fr-FR" smtClean="0"/>
-              <a:t>12/09/2022</a:t>
+              <a:t>15/09/2022</a:t>
             </a:fld>
             <a:endParaRPr lang="fr-FR"/>
           </a:p>
@@ -1240,7 +1240,7 @@
           <a:p>
             <a:fld id="{D1AFA411-4AEB-49D1-A254-4E91517BE837}" type="datetimeFigureOut">
               <a:rPr lang="fr-FR" smtClean="0"/>
-              <a:t>12/09/2022</a:t>
+              <a:t>15/09/2022</a:t>
             </a:fld>
             <a:endParaRPr lang="fr-FR"/>
           </a:p>
@@ -1607,7 +1607,7 @@
           <a:p>
             <a:fld id="{D1AFA411-4AEB-49D1-A254-4E91517BE837}" type="datetimeFigureOut">
               <a:rPr lang="fr-FR" smtClean="0"/>
-              <a:t>12/09/2022</a:t>
+              <a:t>15/09/2022</a:t>
             </a:fld>
             <a:endParaRPr lang="fr-FR"/>
           </a:p>
@@ -1725,7 +1725,7 @@
           <a:p>
             <a:fld id="{D1AFA411-4AEB-49D1-A254-4E91517BE837}" type="datetimeFigureOut">
               <a:rPr lang="fr-FR" smtClean="0"/>
-              <a:t>12/09/2022</a:t>
+              <a:t>15/09/2022</a:t>
             </a:fld>
             <a:endParaRPr lang="fr-FR"/>
           </a:p>
@@ -1820,7 +1820,7 @@
           <a:p>
             <a:fld id="{D1AFA411-4AEB-49D1-A254-4E91517BE837}" type="datetimeFigureOut">
               <a:rPr lang="fr-FR" smtClean="0"/>
-              <a:t>12/09/2022</a:t>
+              <a:t>15/09/2022</a:t>
             </a:fld>
             <a:endParaRPr lang="fr-FR"/>
           </a:p>
@@ -2097,7 +2097,7 @@
           <a:p>
             <a:fld id="{D1AFA411-4AEB-49D1-A254-4E91517BE837}" type="datetimeFigureOut">
               <a:rPr lang="fr-FR" smtClean="0"/>
-              <a:t>12/09/2022</a:t>
+              <a:t>15/09/2022</a:t>
             </a:fld>
             <a:endParaRPr lang="fr-FR"/>
           </a:p>
@@ -2354,7 +2354,7 @@
           <a:p>
             <a:fld id="{D1AFA411-4AEB-49D1-A254-4E91517BE837}" type="datetimeFigureOut">
               <a:rPr lang="fr-FR" smtClean="0"/>
-              <a:t>12/09/2022</a:t>
+              <a:t>15/09/2022</a:t>
             </a:fld>
             <a:endParaRPr lang="fr-FR"/>
           </a:p>
@@ -2567,7 +2567,7 @@
           <a:p>
             <a:fld id="{D1AFA411-4AEB-49D1-A254-4E91517BE837}" type="datetimeFigureOut">
               <a:rPr lang="fr-FR" smtClean="0"/>
-              <a:t>12/09/2022</a:t>
+              <a:t>15/09/2022</a:t>
             </a:fld>
             <a:endParaRPr lang="fr-FR"/>
           </a:p>
@@ -4792,10 +4792,16 @@
           <a:p>
             <a:pPr algn="ctr"/>
             <a:r>
+              <a:rPr lang="fr-FR" b="1">
+                <a:latin typeface="Bahnschrift SemiBold" panose="020B0502040204020203" pitchFamily="34" charset="0"/>
+              </a:rPr>
+              <a:t>PREDICTED </a:t>
+            </a:r>
+            <a:r>
               <a:rPr lang="fr-FR" b="1" dirty="0">
                 <a:latin typeface="Bahnschrift SemiBold" panose="020B0502040204020203" pitchFamily="34" charset="0"/>
               </a:rPr>
-              <a:t>PREDICED SET</a:t>
+              <a:t>SET</a:t>
             </a:r>
           </a:p>
           <a:p>
